--- a/design.pptx
+++ b/design.pptx
@@ -261,7 +261,7 @@
           <a:p>
             <a:fld id="{DC9922B7-C0C4-1148-A10B-E53757BFC9CE}" type="datetimeFigureOut">
               <a:rPr kumimoji="1" lang="zh-CN" altLang="en-US" smtClean="0"/>
-              <a:t>2025/5/24</a:t>
+              <a:t>2025/7/4</a:t>
             </a:fld>
             <a:endParaRPr kumimoji="1" lang="zh-CN" altLang="en-US"/>
           </a:p>
@@ -459,7 +459,7 @@
           <a:p>
             <a:fld id="{DC9922B7-C0C4-1148-A10B-E53757BFC9CE}" type="datetimeFigureOut">
               <a:rPr kumimoji="1" lang="zh-CN" altLang="en-US" smtClean="0"/>
-              <a:t>2025/5/24</a:t>
+              <a:t>2025/7/4</a:t>
             </a:fld>
             <a:endParaRPr kumimoji="1" lang="zh-CN" altLang="en-US"/>
           </a:p>
@@ -667,7 +667,7 @@
           <a:p>
             <a:fld id="{DC9922B7-C0C4-1148-A10B-E53757BFC9CE}" type="datetimeFigureOut">
               <a:rPr kumimoji="1" lang="zh-CN" altLang="en-US" smtClean="0"/>
-              <a:t>2025/5/24</a:t>
+              <a:t>2025/7/4</a:t>
             </a:fld>
             <a:endParaRPr kumimoji="1" lang="zh-CN" altLang="en-US"/>
           </a:p>
@@ -865,7 +865,7 @@
           <a:p>
             <a:fld id="{DC9922B7-C0C4-1148-A10B-E53757BFC9CE}" type="datetimeFigureOut">
               <a:rPr kumimoji="1" lang="zh-CN" altLang="en-US" smtClean="0"/>
-              <a:t>2025/5/24</a:t>
+              <a:t>2025/7/4</a:t>
             </a:fld>
             <a:endParaRPr kumimoji="1" lang="zh-CN" altLang="en-US"/>
           </a:p>
@@ -1140,7 +1140,7 @@
           <a:p>
             <a:fld id="{DC9922B7-C0C4-1148-A10B-E53757BFC9CE}" type="datetimeFigureOut">
               <a:rPr kumimoji="1" lang="zh-CN" altLang="en-US" smtClean="0"/>
-              <a:t>2025/5/24</a:t>
+              <a:t>2025/7/4</a:t>
             </a:fld>
             <a:endParaRPr kumimoji="1" lang="zh-CN" altLang="en-US"/>
           </a:p>
@@ -1405,7 +1405,7 @@
           <a:p>
             <a:fld id="{DC9922B7-C0C4-1148-A10B-E53757BFC9CE}" type="datetimeFigureOut">
               <a:rPr kumimoji="1" lang="zh-CN" altLang="en-US" smtClean="0"/>
-              <a:t>2025/5/24</a:t>
+              <a:t>2025/7/4</a:t>
             </a:fld>
             <a:endParaRPr kumimoji="1" lang="zh-CN" altLang="en-US"/>
           </a:p>
@@ -1817,7 +1817,7 @@
           <a:p>
             <a:fld id="{DC9922B7-C0C4-1148-A10B-E53757BFC9CE}" type="datetimeFigureOut">
               <a:rPr kumimoji="1" lang="zh-CN" altLang="en-US" smtClean="0"/>
-              <a:t>2025/5/24</a:t>
+              <a:t>2025/7/4</a:t>
             </a:fld>
             <a:endParaRPr kumimoji="1" lang="zh-CN" altLang="en-US"/>
           </a:p>
@@ -1958,7 +1958,7 @@
           <a:p>
             <a:fld id="{DC9922B7-C0C4-1148-A10B-E53757BFC9CE}" type="datetimeFigureOut">
               <a:rPr kumimoji="1" lang="zh-CN" altLang="en-US" smtClean="0"/>
-              <a:t>2025/5/24</a:t>
+              <a:t>2025/7/4</a:t>
             </a:fld>
             <a:endParaRPr kumimoji="1" lang="zh-CN" altLang="en-US"/>
           </a:p>
@@ -2071,7 +2071,7 @@
           <a:p>
             <a:fld id="{DC9922B7-C0C4-1148-A10B-E53757BFC9CE}" type="datetimeFigureOut">
               <a:rPr kumimoji="1" lang="zh-CN" altLang="en-US" smtClean="0"/>
-              <a:t>2025/5/24</a:t>
+              <a:t>2025/7/4</a:t>
             </a:fld>
             <a:endParaRPr kumimoji="1" lang="zh-CN" altLang="en-US"/>
           </a:p>
@@ -2382,7 +2382,7 @@
           <a:p>
             <a:fld id="{DC9922B7-C0C4-1148-A10B-E53757BFC9CE}" type="datetimeFigureOut">
               <a:rPr kumimoji="1" lang="zh-CN" altLang="en-US" smtClean="0"/>
-              <a:t>2025/5/24</a:t>
+              <a:t>2025/7/4</a:t>
             </a:fld>
             <a:endParaRPr kumimoji="1" lang="zh-CN" altLang="en-US"/>
           </a:p>
@@ -2670,7 +2670,7 @@
           <a:p>
             <a:fld id="{DC9922B7-C0C4-1148-A10B-E53757BFC9CE}" type="datetimeFigureOut">
               <a:rPr kumimoji="1" lang="zh-CN" altLang="en-US" smtClean="0"/>
-              <a:t>2025/5/24</a:t>
+              <a:t>2025/7/4</a:t>
             </a:fld>
             <a:endParaRPr kumimoji="1" lang="zh-CN" altLang="en-US"/>
           </a:p>
@@ -2914,7 +2914,7 @@
           <a:p>
             <a:fld id="{DC9922B7-C0C4-1148-A10B-E53757BFC9CE}" type="datetimeFigureOut">
               <a:rPr kumimoji="1" lang="zh-CN" altLang="en-US" smtClean="0"/>
-              <a:t>2025/5/24</a:t>
+              <a:t>2025/7/4</a:t>
             </a:fld>
             <a:endParaRPr kumimoji="1" lang="zh-CN" altLang="en-US"/>
           </a:p>
@@ -5810,126 +5810,6 @@
       </p:grpSpPr>
       <p:grpSp>
         <p:nvGrpSpPr>
-          <p:cNvPr id="44" name="组合 43">
-            <a:extLst>
-              <a:ext uri="{FF2B5EF4-FFF2-40B4-BE49-F238E27FC236}">
-                <a16:creationId xmlns:a16="http://schemas.microsoft.com/office/drawing/2014/main" id="{D5AD8605-CBF0-9A40-9B69-8A7385026670}"/>
-              </a:ext>
-            </a:extLst>
-          </p:cNvPr>
-          <p:cNvGrpSpPr/>
-          <p:nvPr/>
-        </p:nvGrpSpPr>
-        <p:grpSpPr>
-          <a:xfrm>
-            <a:off x="7187149" y="654534"/>
-            <a:ext cx="5361876" cy="969495"/>
-            <a:chOff x="967060" y="631279"/>
-            <a:chExt cx="5361876" cy="969495"/>
-          </a:xfrm>
-        </p:grpSpPr>
-        <p:sp>
-          <p:nvSpPr>
-            <p:cNvPr id="46" name="文本框 45">
-              <a:extLst>
-                <a:ext uri="{FF2B5EF4-FFF2-40B4-BE49-F238E27FC236}">
-                  <a16:creationId xmlns:a16="http://schemas.microsoft.com/office/drawing/2014/main" id="{37D85551-CE5C-8B44-A195-798AE672AF4E}"/>
-                </a:ext>
-              </a:extLst>
-            </p:cNvPr>
-            <p:cNvSpPr txBox="1"/>
-            <p:nvPr/>
-          </p:nvSpPr>
-          <p:spPr>
-            <a:xfrm>
-              <a:off x="967060" y="631279"/>
-              <a:ext cx="4698722" cy="769441"/>
-            </a:xfrm>
-            <a:prstGeom prst="rect">
-              <a:avLst/>
-            </a:prstGeom>
-            <a:noFill/>
-          </p:spPr>
-          <p:txBody>
-            <a:bodyPr wrap="none" rtlCol="0">
-              <a:spAutoFit/>
-            </a:bodyPr>
-            <a:lstStyle/>
-            <a:p>
-              <a:r>
-                <a:rPr kumimoji="1" lang="zh-CN" altLang="en-US" sz="4400" b="1" dirty="0">
-                  <a:solidFill>
-                    <a:schemeClr val="bg1"/>
-                  </a:solidFill>
-                  <a:latin typeface="MiSans" pitchFamily="2" charset="-122"/>
-                  <a:ea typeface="MiSans" pitchFamily="2" charset="-122"/>
-                  <a:cs typeface="MiSans" pitchFamily="2" charset="-122"/>
-                </a:rPr>
-                <a:t>你是谁？你在哪？</a:t>
-              </a:r>
-            </a:p>
-          </p:txBody>
-        </p:sp>
-        <p:sp>
-          <p:nvSpPr>
-            <p:cNvPr id="45" name="文本框 44">
-              <a:extLst>
-                <a:ext uri="{FF2B5EF4-FFF2-40B4-BE49-F238E27FC236}">
-                  <a16:creationId xmlns:a16="http://schemas.microsoft.com/office/drawing/2014/main" id="{7EE1D881-8D1F-5D4A-8D4D-FBB8BD60169C}"/>
-                </a:ext>
-              </a:extLst>
-            </p:cNvPr>
-            <p:cNvSpPr txBox="1"/>
-            <p:nvPr/>
-          </p:nvSpPr>
-          <p:spPr>
-            <a:xfrm>
-              <a:off x="3353422" y="1015999"/>
-              <a:ext cx="2975514" cy="584775"/>
-            </a:xfrm>
-            <a:prstGeom prst="rect">
-              <a:avLst/>
-            </a:prstGeom>
-            <a:noFill/>
-          </p:spPr>
-          <p:txBody>
-            <a:bodyPr wrap="square" rtlCol="0">
-              <a:spAutoFit/>
-            </a:bodyPr>
-            <a:lstStyle/>
-            <a:p>
-              <a:r>
-                <a:rPr kumimoji="1" lang="en-US" altLang="zh-CN" sz="3200" dirty="0">
-                  <a:solidFill>
-                    <a:srgbClr val="B994CB">
-                      <a:alpha val="60000"/>
-                    </a:srgbClr>
-                  </a:solidFill>
-                  <a:latin typeface="MiSans Medium" pitchFamily="2" charset="-122"/>
-                  <a:ea typeface="MiSans Medium" pitchFamily="2" charset="-122"/>
-                  <a:cs typeface="MiSans Medium" pitchFamily="2" charset="-122"/>
-                </a:rPr>
-                <a:t>~</a:t>
-              </a:r>
-              <a:r>
-                <a:rPr kumimoji="1" lang="zh-CN" altLang="en-US" sz="3200" dirty="0">
-                  <a:solidFill>
-                    <a:srgbClr val="B994CB">
-                      <a:alpha val="60000"/>
-                    </a:srgbClr>
-                  </a:solidFill>
-                  <a:latin typeface="MiSans Medium" pitchFamily="2" charset="-122"/>
-                  <a:ea typeface="MiSans Medium" pitchFamily="2" charset="-122"/>
-                  <a:cs typeface="MiSans Medium" pitchFamily="2" charset="-122"/>
-                </a:rPr>
-                <a:t>个人简介</a:t>
-              </a:r>
-            </a:p>
-          </p:txBody>
-        </p:sp>
-      </p:grpSp>
-      <p:grpSp>
-        <p:nvGrpSpPr>
           <p:cNvPr id="23" name="组合 22">
             <a:extLst>
               <a:ext uri="{FF2B5EF4-FFF2-40B4-BE49-F238E27FC236}">
@@ -6085,124 +5965,6 @@
             </a:prstGeom>
           </p:spPr>
         </p:pic>
-      </p:grpSp>
-      <p:grpSp>
-        <p:nvGrpSpPr>
-          <p:cNvPr id="43" name="组合 42">
-            <a:extLst>
-              <a:ext uri="{FF2B5EF4-FFF2-40B4-BE49-F238E27FC236}">
-                <a16:creationId xmlns:a16="http://schemas.microsoft.com/office/drawing/2014/main" id="{5737EBB0-1F3B-3242-90F1-3E869B24179A}"/>
-              </a:ext>
-            </a:extLst>
-          </p:cNvPr>
-          <p:cNvGrpSpPr/>
-          <p:nvPr/>
-        </p:nvGrpSpPr>
-        <p:grpSpPr>
-          <a:xfrm>
-            <a:off x="7187149" y="2701067"/>
-            <a:ext cx="5361876" cy="969495"/>
-            <a:chOff x="7288751" y="2657464"/>
-            <a:chExt cx="5361876" cy="969495"/>
-          </a:xfrm>
-        </p:grpSpPr>
-        <p:sp>
-          <p:nvSpPr>
-            <p:cNvPr id="39" name="文本框 38">
-              <a:extLst>
-                <a:ext uri="{FF2B5EF4-FFF2-40B4-BE49-F238E27FC236}">
-                  <a16:creationId xmlns:a16="http://schemas.microsoft.com/office/drawing/2014/main" id="{D34D3583-C8C2-F842-92ED-243634CC9FC6}"/>
-                </a:ext>
-              </a:extLst>
-            </p:cNvPr>
-            <p:cNvSpPr txBox="1"/>
-            <p:nvPr/>
-          </p:nvSpPr>
-          <p:spPr>
-            <a:xfrm>
-              <a:off x="7288751" y="2657464"/>
-              <a:ext cx="3570208" cy="769441"/>
-            </a:xfrm>
-            <a:prstGeom prst="rect">
-              <a:avLst/>
-            </a:prstGeom>
-            <a:noFill/>
-          </p:spPr>
-          <p:txBody>
-            <a:bodyPr wrap="none" rtlCol="0">
-              <a:spAutoFit/>
-            </a:bodyPr>
-            <a:lstStyle/>
-            <a:p>
-              <a:r>
-                <a:rPr kumimoji="1" lang="zh-CN" altLang="en-US" sz="4400" b="1" dirty="0">
-                  <a:solidFill>
-                    <a:schemeClr val="bg1">
-                      <a:alpha val="60000"/>
-                    </a:schemeClr>
-                  </a:solidFill>
-                  <a:latin typeface="MiSans" pitchFamily="2" charset="-122"/>
-                  <a:ea typeface="MiSans" pitchFamily="2" charset="-122"/>
-                  <a:cs typeface="MiSans" pitchFamily="2" charset="-122"/>
-                </a:rPr>
-                <a:t>你该往哪去？</a:t>
-              </a:r>
-            </a:p>
-          </p:txBody>
-        </p:sp>
-        <p:sp>
-          <p:nvSpPr>
-            <p:cNvPr id="38" name="文本框 37">
-              <a:extLst>
-                <a:ext uri="{FF2B5EF4-FFF2-40B4-BE49-F238E27FC236}">
-                  <a16:creationId xmlns:a16="http://schemas.microsoft.com/office/drawing/2014/main" id="{41776216-C420-3D42-A14E-5230C01D190F}"/>
-                </a:ext>
-              </a:extLst>
-            </p:cNvPr>
-            <p:cNvSpPr txBox="1"/>
-            <p:nvPr/>
-          </p:nvSpPr>
-          <p:spPr>
-            <a:xfrm>
-              <a:off x="9675113" y="3042184"/>
-              <a:ext cx="2975514" cy="584775"/>
-            </a:xfrm>
-            <a:prstGeom prst="rect">
-              <a:avLst/>
-            </a:prstGeom>
-            <a:noFill/>
-          </p:spPr>
-          <p:txBody>
-            <a:bodyPr wrap="square" rtlCol="0">
-              <a:spAutoFit/>
-            </a:bodyPr>
-            <a:lstStyle/>
-            <a:p>
-              <a:r>
-                <a:rPr kumimoji="1" lang="en-US" altLang="zh-CN" sz="3200" dirty="0">
-                  <a:solidFill>
-                    <a:srgbClr val="B994CB"/>
-                  </a:solidFill>
-                  <a:latin typeface="MiSans Medium" pitchFamily="2" charset="-122"/>
-                  <a:ea typeface="MiSans Medium" pitchFamily="2" charset="-122"/>
-                  <a:cs typeface="MiSans Medium" pitchFamily="2" charset="-122"/>
-                </a:rPr>
-                <a:t>~</a:t>
-              </a:r>
-              <a:r>
-                <a:rPr kumimoji="1" lang="zh-CN" altLang="en-US" sz="3200" dirty="0">
-                  <a:solidFill>
-                    <a:srgbClr val="B994CB"/>
-                  </a:solidFill>
-                  <a:latin typeface="MiSans Medium" pitchFamily="2" charset="-122"/>
-                  <a:ea typeface="MiSans Medium" pitchFamily="2" charset="-122"/>
-                  <a:cs typeface="MiSans Medium" pitchFamily="2" charset="-122"/>
-                </a:rPr>
-                <a:t>个人简介</a:t>
-              </a:r>
-            </a:p>
-          </p:txBody>
-        </p:sp>
       </p:grpSp>
       <p:grpSp>
         <p:nvGrpSpPr>
@@ -6703,6 +6465,362 @@
             </a:p>
           </p:txBody>
         </p:sp>
+      </p:grpSp>
+      <p:grpSp>
+        <p:nvGrpSpPr>
+          <p:cNvPr id="7" name="组合 6">
+            <a:extLst>
+              <a:ext uri="{FF2B5EF4-FFF2-40B4-BE49-F238E27FC236}">
+                <a16:creationId xmlns:a16="http://schemas.microsoft.com/office/drawing/2014/main" id="{7904D025-964D-EB4E-A049-BAB4DFE2B5C1}"/>
+              </a:ext>
+            </a:extLst>
+          </p:cNvPr>
+          <p:cNvGrpSpPr/>
+          <p:nvPr/>
+        </p:nvGrpSpPr>
+        <p:grpSpPr>
+          <a:xfrm>
+            <a:off x="5653429" y="388012"/>
+            <a:ext cx="6895596" cy="1637395"/>
+            <a:chOff x="5653429" y="388012"/>
+            <a:chExt cx="6895596" cy="1637395"/>
+          </a:xfrm>
+        </p:grpSpPr>
+        <p:grpSp>
+          <p:nvGrpSpPr>
+            <p:cNvPr id="44" name="组合 43">
+              <a:extLst>
+                <a:ext uri="{FF2B5EF4-FFF2-40B4-BE49-F238E27FC236}">
+                  <a16:creationId xmlns:a16="http://schemas.microsoft.com/office/drawing/2014/main" id="{D5AD8605-CBF0-9A40-9B69-8A7385026670}"/>
+                </a:ext>
+              </a:extLst>
+            </p:cNvPr>
+            <p:cNvGrpSpPr/>
+            <p:nvPr/>
+          </p:nvGrpSpPr>
+          <p:grpSpPr>
+            <a:xfrm>
+              <a:off x="7187149" y="654534"/>
+              <a:ext cx="5361876" cy="969495"/>
+              <a:chOff x="967060" y="631279"/>
+              <a:chExt cx="5361876" cy="969495"/>
+            </a:xfrm>
+          </p:grpSpPr>
+          <p:sp>
+            <p:nvSpPr>
+              <p:cNvPr id="46" name="文本框 45">
+                <a:extLst>
+                  <a:ext uri="{FF2B5EF4-FFF2-40B4-BE49-F238E27FC236}">
+                    <a16:creationId xmlns:a16="http://schemas.microsoft.com/office/drawing/2014/main" id="{37D85551-CE5C-8B44-A195-798AE672AF4E}"/>
+                  </a:ext>
+                </a:extLst>
+              </p:cNvPr>
+              <p:cNvSpPr txBox="1"/>
+              <p:nvPr/>
+            </p:nvSpPr>
+            <p:spPr>
+              <a:xfrm>
+                <a:off x="967060" y="631279"/>
+                <a:ext cx="3786614" cy="769441"/>
+              </a:xfrm>
+              <a:prstGeom prst="rect">
+                <a:avLst/>
+              </a:prstGeom>
+              <a:noFill/>
+            </p:spPr>
+            <p:txBody>
+              <a:bodyPr wrap="none" rtlCol="0">
+                <a:spAutoFit/>
+              </a:bodyPr>
+              <a:lstStyle/>
+              <a:p>
+                <a:r>
+                  <a:rPr kumimoji="1" lang="en-US" altLang="zh-CN" sz="4400" b="1" dirty="0">
+                    <a:solidFill>
+                      <a:schemeClr val="bg1"/>
+                    </a:solidFill>
+                    <a:latin typeface="MiSans" pitchFamily="2" charset="-122"/>
+                    <a:ea typeface="MiSans" pitchFamily="2" charset="-122"/>
+                    <a:cs typeface="MiSans" pitchFamily="2" charset="-122"/>
+                  </a:rPr>
+                  <a:t>Introduction</a:t>
+                </a:r>
+                <a:endParaRPr kumimoji="1" lang="zh-CN" altLang="en-US" sz="4400" b="1" dirty="0">
+                  <a:solidFill>
+                    <a:schemeClr val="bg1"/>
+                  </a:solidFill>
+                  <a:latin typeface="MiSans" pitchFamily="2" charset="-122"/>
+                  <a:ea typeface="MiSans" pitchFamily="2" charset="-122"/>
+                  <a:cs typeface="MiSans" pitchFamily="2" charset="-122"/>
+                </a:endParaRPr>
+              </a:p>
+            </p:txBody>
+          </p:sp>
+          <p:sp>
+            <p:nvSpPr>
+              <p:cNvPr id="45" name="文本框 44">
+                <a:extLst>
+                  <a:ext uri="{FF2B5EF4-FFF2-40B4-BE49-F238E27FC236}">
+                    <a16:creationId xmlns:a16="http://schemas.microsoft.com/office/drawing/2014/main" id="{7EE1D881-8D1F-5D4A-8D4D-FBB8BD60169C}"/>
+                  </a:ext>
+                </a:extLst>
+              </p:cNvPr>
+              <p:cNvSpPr txBox="1"/>
+              <p:nvPr/>
+            </p:nvSpPr>
+            <p:spPr>
+              <a:xfrm>
+                <a:off x="3353422" y="1015999"/>
+                <a:ext cx="2975514" cy="584775"/>
+              </a:xfrm>
+              <a:prstGeom prst="rect">
+                <a:avLst/>
+              </a:prstGeom>
+              <a:noFill/>
+            </p:spPr>
+            <p:txBody>
+              <a:bodyPr wrap="square" rtlCol="0">
+                <a:spAutoFit/>
+              </a:bodyPr>
+              <a:lstStyle/>
+              <a:p>
+                <a:r>
+                  <a:rPr kumimoji="1" lang="en-US" altLang="zh-CN" sz="3200" dirty="0">
+                    <a:solidFill>
+                      <a:srgbClr val="B994CB">
+                        <a:alpha val="60000"/>
+                      </a:srgbClr>
+                    </a:solidFill>
+                    <a:latin typeface="MiSans Medium" pitchFamily="2" charset="-122"/>
+                    <a:ea typeface="MiSans Medium" pitchFamily="2" charset="-122"/>
+                    <a:cs typeface="MiSans Medium" pitchFamily="2" charset="-122"/>
+                  </a:rPr>
+                  <a:t>~</a:t>
+                </a:r>
+                <a:r>
+                  <a:rPr kumimoji="1" lang="zh-CN" altLang="en-US" sz="3200" dirty="0">
+                    <a:solidFill>
+                      <a:srgbClr val="B994CB">
+                        <a:alpha val="60000"/>
+                      </a:srgbClr>
+                    </a:solidFill>
+                    <a:latin typeface="MiSans Medium" pitchFamily="2" charset="-122"/>
+                    <a:ea typeface="MiSans Medium" pitchFamily="2" charset="-122"/>
+                    <a:cs typeface="MiSans Medium" pitchFamily="2" charset="-122"/>
+                  </a:rPr>
+                  <a:t>个人简介</a:t>
+                </a:r>
+              </a:p>
+            </p:txBody>
+          </p:sp>
+        </p:grpSp>
+        <p:pic>
+          <p:nvPicPr>
+            <p:cNvPr id="6" name="图片 5">
+              <a:extLst>
+                <a:ext uri="{FF2B5EF4-FFF2-40B4-BE49-F238E27FC236}">
+                  <a16:creationId xmlns:a16="http://schemas.microsoft.com/office/drawing/2014/main" id="{60B92161-2A80-B44E-A1C0-29B4FA7C80D4}"/>
+                </a:ext>
+              </a:extLst>
+            </p:cNvPr>
+            <p:cNvPicPr>
+              <a:picLocks noChangeAspect="1"/>
+            </p:cNvPicPr>
+            <p:nvPr/>
+          </p:nvPicPr>
+          <p:blipFill rotWithShape="1">
+            <a:blip r:embed="rId6"/>
+            <a:srcRect b="25883"/>
+            <a:stretch/>
+          </p:blipFill>
+          <p:spPr>
+            <a:xfrm>
+              <a:off x="5653429" y="388012"/>
+              <a:ext cx="2209228" cy="1637395"/>
+            </a:xfrm>
+            <a:prstGeom prst="rect">
+              <a:avLst/>
+            </a:prstGeom>
+          </p:spPr>
+        </p:pic>
+      </p:grpSp>
+      <p:grpSp>
+        <p:nvGrpSpPr>
+          <p:cNvPr id="8" name="组合 7">
+            <a:extLst>
+              <a:ext uri="{FF2B5EF4-FFF2-40B4-BE49-F238E27FC236}">
+                <a16:creationId xmlns:a16="http://schemas.microsoft.com/office/drawing/2014/main" id="{029D811E-3FAE-AF4E-8330-FBF9F817173D}"/>
+              </a:ext>
+            </a:extLst>
+          </p:cNvPr>
+          <p:cNvGrpSpPr/>
+          <p:nvPr/>
+        </p:nvGrpSpPr>
+        <p:grpSpPr>
+          <a:xfrm>
+            <a:off x="5687970" y="2323637"/>
+            <a:ext cx="6900272" cy="1637395"/>
+            <a:chOff x="5648753" y="2423945"/>
+            <a:chExt cx="6900272" cy="1637395"/>
+          </a:xfrm>
+        </p:grpSpPr>
+        <p:grpSp>
+          <p:nvGrpSpPr>
+            <p:cNvPr id="43" name="组合 42">
+              <a:extLst>
+                <a:ext uri="{FF2B5EF4-FFF2-40B4-BE49-F238E27FC236}">
+                  <a16:creationId xmlns:a16="http://schemas.microsoft.com/office/drawing/2014/main" id="{5737EBB0-1F3B-3242-90F1-3E869B24179A}"/>
+                </a:ext>
+              </a:extLst>
+            </p:cNvPr>
+            <p:cNvGrpSpPr/>
+            <p:nvPr/>
+          </p:nvGrpSpPr>
+          <p:grpSpPr>
+            <a:xfrm>
+              <a:off x="7187149" y="2701067"/>
+              <a:ext cx="5361876" cy="969495"/>
+              <a:chOff x="7288751" y="2657464"/>
+              <a:chExt cx="5361876" cy="969495"/>
+            </a:xfrm>
+          </p:grpSpPr>
+          <p:sp>
+            <p:nvSpPr>
+              <p:cNvPr id="39" name="文本框 38">
+                <a:extLst>
+                  <a:ext uri="{FF2B5EF4-FFF2-40B4-BE49-F238E27FC236}">
+                    <a16:creationId xmlns:a16="http://schemas.microsoft.com/office/drawing/2014/main" id="{D34D3583-C8C2-F842-92ED-243634CC9FC6}"/>
+                  </a:ext>
+                </a:extLst>
+              </p:cNvPr>
+              <p:cNvSpPr txBox="1"/>
+              <p:nvPr/>
+            </p:nvSpPr>
+            <p:spPr>
+              <a:xfrm>
+                <a:off x="7288751" y="2657464"/>
+                <a:ext cx="3467616" cy="769441"/>
+              </a:xfrm>
+              <a:prstGeom prst="rect">
+                <a:avLst/>
+              </a:prstGeom>
+              <a:noFill/>
+            </p:spPr>
+            <p:txBody>
+              <a:bodyPr wrap="none" rtlCol="0">
+                <a:spAutoFit/>
+              </a:bodyPr>
+              <a:lstStyle/>
+              <a:p>
+                <a:r>
+                  <a:rPr kumimoji="1" lang="en-US" altLang="zh-CN" sz="4400" b="1" dirty="0">
+                    <a:solidFill>
+                      <a:schemeClr val="bg1">
+                        <a:alpha val="60000"/>
+                      </a:schemeClr>
+                    </a:solidFill>
+                    <a:latin typeface="MiSans" pitchFamily="2" charset="-122"/>
+                    <a:ea typeface="MiSans" pitchFamily="2" charset="-122"/>
+                    <a:cs typeface="MiSans" pitchFamily="2" charset="-122"/>
+                  </a:rPr>
+                  <a:t>and Profile</a:t>
+                </a:r>
+                <a:endParaRPr kumimoji="1" lang="zh-CN" altLang="en-US" sz="4400" b="1" dirty="0">
+                  <a:solidFill>
+                    <a:schemeClr val="bg1">
+                      <a:alpha val="60000"/>
+                    </a:schemeClr>
+                  </a:solidFill>
+                  <a:latin typeface="MiSans" pitchFamily="2" charset="-122"/>
+                  <a:ea typeface="MiSans" pitchFamily="2" charset="-122"/>
+                  <a:cs typeface="MiSans" pitchFamily="2" charset="-122"/>
+                </a:endParaRPr>
+              </a:p>
+            </p:txBody>
+          </p:sp>
+          <p:sp>
+            <p:nvSpPr>
+              <p:cNvPr id="38" name="文本框 37">
+                <a:extLst>
+                  <a:ext uri="{FF2B5EF4-FFF2-40B4-BE49-F238E27FC236}">
+                    <a16:creationId xmlns:a16="http://schemas.microsoft.com/office/drawing/2014/main" id="{41776216-C420-3D42-A14E-5230C01D190F}"/>
+                  </a:ext>
+                </a:extLst>
+              </p:cNvPr>
+              <p:cNvSpPr txBox="1"/>
+              <p:nvPr/>
+            </p:nvSpPr>
+            <p:spPr>
+              <a:xfrm>
+                <a:off x="9675113" y="3042184"/>
+                <a:ext cx="2975514" cy="584775"/>
+              </a:xfrm>
+              <a:prstGeom prst="rect">
+                <a:avLst/>
+              </a:prstGeom>
+              <a:noFill/>
+            </p:spPr>
+            <p:txBody>
+              <a:bodyPr wrap="square" rtlCol="0">
+                <a:spAutoFit/>
+              </a:bodyPr>
+              <a:lstStyle/>
+              <a:p>
+                <a:r>
+                  <a:rPr kumimoji="1" lang="en-US" altLang="zh-CN" sz="3200" dirty="0">
+                    <a:solidFill>
+                      <a:srgbClr val="B994CB"/>
+                    </a:solidFill>
+                    <a:latin typeface="MiSans Medium" pitchFamily="2" charset="-122"/>
+                    <a:ea typeface="MiSans Medium" pitchFamily="2" charset="-122"/>
+                    <a:cs typeface="MiSans Medium" pitchFamily="2" charset="-122"/>
+                  </a:rPr>
+                  <a:t>~</a:t>
+                </a:r>
+                <a:r>
+                  <a:rPr kumimoji="1" lang="zh-CN" altLang="en-US" sz="3200" dirty="0">
+                    <a:solidFill>
+                      <a:srgbClr val="B994CB"/>
+                    </a:solidFill>
+                    <a:latin typeface="MiSans Medium" pitchFamily="2" charset="-122"/>
+                    <a:ea typeface="MiSans Medium" pitchFamily="2" charset="-122"/>
+                    <a:cs typeface="MiSans Medium" pitchFamily="2" charset="-122"/>
+                  </a:rPr>
+                  <a:t>个人简介</a:t>
+                </a:r>
+              </a:p>
+            </p:txBody>
+          </p:sp>
+        </p:grpSp>
+        <p:pic>
+          <p:nvPicPr>
+            <p:cNvPr id="26" name="图片 25">
+              <a:extLst>
+                <a:ext uri="{FF2B5EF4-FFF2-40B4-BE49-F238E27FC236}">
+                  <a16:creationId xmlns:a16="http://schemas.microsoft.com/office/drawing/2014/main" id="{DC8C4646-27E3-8043-8F6B-37589CCF76C3}"/>
+                </a:ext>
+              </a:extLst>
+            </p:cNvPr>
+            <p:cNvPicPr>
+              <a:picLocks noChangeAspect="1"/>
+            </p:cNvPicPr>
+            <p:nvPr/>
+          </p:nvPicPr>
+          <p:blipFill rotWithShape="1">
+            <a:blip r:embed="rId6"/>
+            <a:srcRect b="25883"/>
+            <a:stretch/>
+          </p:blipFill>
+          <p:spPr>
+            <a:xfrm>
+              <a:off x="5648753" y="2423945"/>
+              <a:ext cx="2209228" cy="1637395"/>
+            </a:xfrm>
+            <a:prstGeom prst="rect">
+              <a:avLst/>
+            </a:prstGeom>
+          </p:spPr>
+        </p:pic>
       </p:grpSp>
     </p:spTree>
     <p:extLst>
